--- a/plan_du_cours.pptx
+++ b/plan_du_cours.pptx
@@ -4527,13 +4527,8 @@
           <a:p>
             <a:r>
               <a:rPr lang="fr-FR" dirty="0" smtClean="0"/>
-              <a:t>Modèle </a:t>
-            </a:r>
-            <a:r>
-              <a:rPr lang="fr-FR" smtClean="0"/>
-              <a:t>Vue Contrôleur</a:t>
-            </a:r>
-            <a:endParaRPr lang="fr-FR" dirty="0" smtClean="0"/>
+              <a:t>Modèle Vue Contrôleur</a:t>
+            </a:r>
           </a:p>
         </p:txBody>
       </p:sp>
